--- a/design idea.pptx
+++ b/design idea.pptx
@@ -6,9 +6,9 @@
   </p:sldMasterIdLst>
   <p:sldIdLst>
     <p:sldId id="256" r:id="rId2"/>
-    <p:sldId id="258" r:id="rId3"/>
-    <p:sldId id="259" r:id="rId4"/>
-    <p:sldId id="257" r:id="rId5"/>
+    <p:sldId id="257" r:id="rId3"/>
+    <p:sldId id="258" r:id="rId4"/>
+    <p:sldId id="259" r:id="rId5"/>
   </p:sldIdLst>
   <p:sldSz cx="9144000" cy="6858000" type="screen4x3"/>
   <p:notesSz cx="6858000" cy="9144000"/>
@@ -291,6 +291,7 @@
           <a:p>
             <a:fld id="{CADA9F1F-9BC4-4824-A32A-35D05853C2AA}" type="datetimeFigureOut">
               <a:rPr lang="fr-FR" smtClean="0"/>
+              <a:pPr/>
               <a:t>27/06/2021</a:t>
             </a:fld>
             <a:endParaRPr lang="fr-FR"/>
@@ -333,6 +334,7 @@
           <a:p>
             <a:fld id="{63238DB7-A393-49DF-A264-489B88F8215F}" type="slidenum">
               <a:rPr lang="fr-FR" smtClean="0"/>
+              <a:pPr/>
               <a:t>‹#›</a:t>
             </a:fld>
             <a:endParaRPr lang="fr-FR"/>
@@ -456,6 +458,7 @@
           <a:p>
             <a:fld id="{CADA9F1F-9BC4-4824-A32A-35D05853C2AA}" type="datetimeFigureOut">
               <a:rPr lang="fr-FR" smtClean="0"/>
+              <a:pPr/>
               <a:t>27/06/2021</a:t>
             </a:fld>
             <a:endParaRPr lang="fr-FR"/>
@@ -498,6 +501,7 @@
           <a:p>
             <a:fld id="{63238DB7-A393-49DF-A264-489B88F8215F}" type="slidenum">
               <a:rPr lang="fr-FR" smtClean="0"/>
+              <a:pPr/>
               <a:t>‹#›</a:t>
             </a:fld>
             <a:endParaRPr lang="fr-FR"/>
@@ -631,6 +635,7 @@
           <a:p>
             <a:fld id="{CADA9F1F-9BC4-4824-A32A-35D05853C2AA}" type="datetimeFigureOut">
               <a:rPr lang="fr-FR" smtClean="0"/>
+              <a:pPr/>
               <a:t>27/06/2021</a:t>
             </a:fld>
             <a:endParaRPr lang="fr-FR"/>
@@ -673,6 +678,7 @@
           <a:p>
             <a:fld id="{63238DB7-A393-49DF-A264-489B88F8215F}" type="slidenum">
               <a:rPr lang="fr-FR" smtClean="0"/>
+              <a:pPr/>
               <a:t>‹#›</a:t>
             </a:fld>
             <a:endParaRPr lang="fr-FR"/>
@@ -796,6 +802,7 @@
           <a:p>
             <a:fld id="{CADA9F1F-9BC4-4824-A32A-35D05853C2AA}" type="datetimeFigureOut">
               <a:rPr lang="fr-FR" smtClean="0"/>
+              <a:pPr/>
               <a:t>27/06/2021</a:t>
             </a:fld>
             <a:endParaRPr lang="fr-FR"/>
@@ -838,6 +845,7 @@
           <a:p>
             <a:fld id="{63238DB7-A393-49DF-A264-489B88F8215F}" type="slidenum">
               <a:rPr lang="fr-FR" smtClean="0"/>
+              <a:pPr/>
               <a:t>‹#›</a:t>
             </a:fld>
             <a:endParaRPr lang="fr-FR"/>
@@ -1037,6 +1045,7 @@
           <a:p>
             <a:fld id="{CADA9F1F-9BC4-4824-A32A-35D05853C2AA}" type="datetimeFigureOut">
               <a:rPr lang="fr-FR" smtClean="0"/>
+              <a:pPr/>
               <a:t>27/06/2021</a:t>
             </a:fld>
             <a:endParaRPr lang="fr-FR"/>
@@ -1079,6 +1088,7 @@
           <a:p>
             <a:fld id="{63238DB7-A393-49DF-A264-489B88F8215F}" type="slidenum">
               <a:rPr lang="fr-FR" smtClean="0"/>
+              <a:pPr/>
               <a:t>‹#›</a:t>
             </a:fld>
             <a:endParaRPr lang="fr-FR"/>
@@ -1320,6 +1330,7 @@
           <a:p>
             <a:fld id="{CADA9F1F-9BC4-4824-A32A-35D05853C2AA}" type="datetimeFigureOut">
               <a:rPr lang="fr-FR" smtClean="0"/>
+              <a:pPr/>
               <a:t>27/06/2021</a:t>
             </a:fld>
             <a:endParaRPr lang="fr-FR"/>
@@ -1362,6 +1373,7 @@
           <a:p>
             <a:fld id="{63238DB7-A393-49DF-A264-489B88F8215F}" type="slidenum">
               <a:rPr lang="fr-FR" smtClean="0"/>
+              <a:pPr/>
               <a:t>‹#›</a:t>
             </a:fld>
             <a:endParaRPr lang="fr-FR"/>
@@ -1737,6 +1749,7 @@
           <a:p>
             <a:fld id="{CADA9F1F-9BC4-4824-A32A-35D05853C2AA}" type="datetimeFigureOut">
               <a:rPr lang="fr-FR" smtClean="0"/>
+              <a:pPr/>
               <a:t>27/06/2021</a:t>
             </a:fld>
             <a:endParaRPr lang="fr-FR"/>
@@ -1779,6 +1792,7 @@
           <a:p>
             <a:fld id="{63238DB7-A393-49DF-A264-489B88F8215F}" type="slidenum">
               <a:rPr lang="fr-FR" smtClean="0"/>
+              <a:pPr/>
               <a:t>‹#›</a:t>
             </a:fld>
             <a:endParaRPr lang="fr-FR"/>
@@ -1850,6 +1864,7 @@
           <a:p>
             <a:fld id="{CADA9F1F-9BC4-4824-A32A-35D05853C2AA}" type="datetimeFigureOut">
               <a:rPr lang="fr-FR" smtClean="0"/>
+              <a:pPr/>
               <a:t>27/06/2021</a:t>
             </a:fld>
             <a:endParaRPr lang="fr-FR"/>
@@ -1892,6 +1907,7 @@
           <a:p>
             <a:fld id="{63238DB7-A393-49DF-A264-489B88F8215F}" type="slidenum">
               <a:rPr lang="fr-FR" smtClean="0"/>
+              <a:pPr/>
               <a:t>‹#›</a:t>
             </a:fld>
             <a:endParaRPr lang="fr-FR"/>
@@ -1940,6 +1956,7 @@
           <a:p>
             <a:fld id="{CADA9F1F-9BC4-4824-A32A-35D05853C2AA}" type="datetimeFigureOut">
               <a:rPr lang="fr-FR" smtClean="0"/>
+              <a:pPr/>
               <a:t>27/06/2021</a:t>
             </a:fld>
             <a:endParaRPr lang="fr-FR"/>
@@ -1982,6 +1999,7 @@
           <a:p>
             <a:fld id="{63238DB7-A393-49DF-A264-489B88F8215F}" type="slidenum">
               <a:rPr lang="fr-FR" smtClean="0"/>
+              <a:pPr/>
               <a:t>‹#›</a:t>
             </a:fld>
             <a:endParaRPr lang="fr-FR"/>
@@ -2212,6 +2230,7 @@
           <a:p>
             <a:fld id="{CADA9F1F-9BC4-4824-A32A-35D05853C2AA}" type="datetimeFigureOut">
               <a:rPr lang="fr-FR" smtClean="0"/>
+              <a:pPr/>
               <a:t>27/06/2021</a:t>
             </a:fld>
             <a:endParaRPr lang="fr-FR"/>
@@ -2254,6 +2273,7 @@
           <a:p>
             <a:fld id="{63238DB7-A393-49DF-A264-489B88F8215F}" type="slidenum">
               <a:rPr lang="fr-FR" smtClean="0"/>
+              <a:pPr/>
               <a:t>‹#›</a:t>
             </a:fld>
             <a:endParaRPr lang="fr-FR"/>
@@ -2460,6 +2480,7 @@
           <a:p>
             <a:fld id="{CADA9F1F-9BC4-4824-A32A-35D05853C2AA}" type="datetimeFigureOut">
               <a:rPr lang="fr-FR" smtClean="0"/>
+              <a:pPr/>
               <a:t>27/06/2021</a:t>
             </a:fld>
             <a:endParaRPr lang="fr-FR"/>
@@ -2502,6 +2523,7 @@
           <a:p>
             <a:fld id="{63238DB7-A393-49DF-A264-489B88F8215F}" type="slidenum">
               <a:rPr lang="fr-FR" smtClean="0"/>
+              <a:pPr/>
               <a:t>‹#›</a:t>
             </a:fld>
             <a:endParaRPr lang="fr-FR"/>
@@ -2668,6 +2690,7 @@
           <a:p>
             <a:fld id="{CADA9F1F-9BC4-4824-A32A-35D05853C2AA}" type="datetimeFigureOut">
               <a:rPr lang="fr-FR" smtClean="0"/>
+              <a:pPr/>
               <a:t>27/06/2021</a:t>
             </a:fld>
             <a:endParaRPr lang="fr-FR"/>
@@ -2746,6 +2769,7 @@
           <a:p>
             <a:fld id="{63238DB7-A393-49DF-A264-489B88F8215F}" type="slidenum">
               <a:rPr lang="fr-FR" smtClean="0"/>
+              <a:pPr/>
               <a:t>‹#›</a:t>
             </a:fld>
             <a:endParaRPr lang="fr-FR"/>
@@ -4498,56 +4522,284 @@
       </p:sp>
       <p:sp>
         <p:nvSpPr>
-          <p:cNvPr id="3" name="Content Placeholder 2"/>
-          <p:cNvSpPr>
-            <a:spLocks noGrp="1"/>
-          </p:cNvSpPr>
-          <p:nvPr>
-            <p:ph idx="1"/>
-          </p:nvPr>
-        </p:nvSpPr>
-        <p:spPr/>
-        <p:txBody>
-          <a:bodyPr/>
-          <a:lstStyle/>
-          <a:p>
-            <a:endParaRPr lang="fr-FR"/>
-          </a:p>
-        </p:txBody>
-      </p:sp>
-      <p:pic>
-        <p:nvPicPr>
-          <p:cNvPr id="1026" name="Picture 2"/>
-          <p:cNvPicPr>
-            <a:picLocks noChangeAspect="1" noChangeArrowheads="1"/>
-          </p:cNvPicPr>
+          <p:cNvPr id="4" name="Rounded Rectangle 3"/>
+          <p:cNvSpPr/>
           <p:nvPr/>
-        </p:nvPicPr>
-        <p:blipFill>
-          <a:blip r:embed="rId2"/>
-          <a:srcRect l="14062" t="28125" r="40234" b="29166"/>
-          <a:stretch>
-            <a:fillRect/>
-          </a:stretch>
-        </p:blipFill>
-        <p:spPr bwMode="auto">
-          <a:xfrm>
-            <a:off x="0" y="0"/>
-            <a:ext cx="7746667" cy="4071966"/>
-          </a:xfrm>
-          <a:prstGeom prst="rect">
+        </p:nvSpPr>
+        <p:spPr>
+          <a:xfrm>
+            <a:off x="3286116" y="2143116"/>
+            <a:ext cx="2286016" cy="2428892"/>
+          </a:xfrm>
+          <a:prstGeom prst="roundRect">
             <a:avLst/>
           </a:prstGeom>
-          <a:noFill/>
-          <a:ln w="9525">
+          <a:solidFill>
+            <a:srgbClr val="FFC000"/>
+          </a:solidFill>
+          <a:ln>
             <a:noFill/>
-            <a:miter lim="800000"/>
-            <a:headEnd/>
-            <a:tailEnd/>
           </a:ln>
-          <a:effectLst/>
-        </p:spPr>
-      </p:pic>
+        </p:spPr>
+        <p:style>
+          <a:lnRef idx="2">
+            <a:schemeClr val="accent1">
+              <a:shade val="50000"/>
+            </a:schemeClr>
+          </a:lnRef>
+          <a:fillRef idx="1">
+            <a:schemeClr val="accent1"/>
+          </a:fillRef>
+          <a:effectRef idx="0">
+            <a:schemeClr val="accent1"/>
+          </a:effectRef>
+          <a:fontRef idx="minor">
+            <a:schemeClr val="lt1"/>
+          </a:fontRef>
+        </p:style>
+        <p:txBody>
+          <a:bodyPr rtlCol="0" anchor="ctr"/>
+          <a:lstStyle/>
+          <a:p>
+            <a:pPr algn="ctr"/>
+            <a:endParaRPr lang="fr-FR"/>
+          </a:p>
+        </p:txBody>
+      </p:sp>
+      <p:sp>
+        <p:nvSpPr>
+          <p:cNvPr id="5" name="Oval 4"/>
+          <p:cNvSpPr/>
+          <p:nvPr/>
+        </p:nvSpPr>
+        <p:spPr>
+          <a:xfrm>
+            <a:off x="4429124" y="2643182"/>
+            <a:ext cx="642942" cy="642942"/>
+          </a:xfrm>
+          <a:prstGeom prst="ellipse">
+            <a:avLst/>
+          </a:prstGeom>
+          <a:solidFill>
+            <a:srgbClr val="FF0000"/>
+          </a:solidFill>
+          <a:ln>
+            <a:noFill/>
+          </a:ln>
+        </p:spPr>
+        <p:style>
+          <a:lnRef idx="2">
+            <a:schemeClr val="accent1">
+              <a:shade val="50000"/>
+            </a:schemeClr>
+          </a:lnRef>
+          <a:fillRef idx="1">
+            <a:schemeClr val="accent1"/>
+          </a:fillRef>
+          <a:effectRef idx="0">
+            <a:schemeClr val="accent1"/>
+          </a:effectRef>
+          <a:fontRef idx="minor">
+            <a:schemeClr val="lt1"/>
+          </a:fontRef>
+        </p:style>
+        <p:txBody>
+          <a:bodyPr rtlCol="0" anchor="ctr"/>
+          <a:lstStyle/>
+          <a:p>
+            <a:pPr algn="ctr"/>
+            <a:endParaRPr lang="fr-FR"/>
+          </a:p>
+        </p:txBody>
+      </p:sp>
+      <p:sp>
+        <p:nvSpPr>
+          <p:cNvPr id="6" name="Rounded Rectangle 5"/>
+          <p:cNvSpPr/>
+          <p:nvPr/>
+        </p:nvSpPr>
+        <p:spPr>
+          <a:xfrm>
+            <a:off x="6143636" y="2143116"/>
+            <a:ext cx="2286016" cy="2428892"/>
+          </a:xfrm>
+          <a:prstGeom prst="roundRect">
+            <a:avLst/>
+          </a:prstGeom>
+          <a:solidFill>
+            <a:srgbClr val="0D19FF"/>
+          </a:solidFill>
+          <a:ln>
+            <a:noFill/>
+          </a:ln>
+        </p:spPr>
+        <p:style>
+          <a:lnRef idx="2">
+            <a:schemeClr val="accent1">
+              <a:shade val="50000"/>
+            </a:schemeClr>
+          </a:lnRef>
+          <a:fillRef idx="1">
+            <a:schemeClr val="accent1"/>
+          </a:fillRef>
+          <a:effectRef idx="0">
+            <a:schemeClr val="accent1"/>
+          </a:effectRef>
+          <a:fontRef idx="minor">
+            <a:schemeClr val="lt1"/>
+          </a:fontRef>
+        </p:style>
+        <p:txBody>
+          <a:bodyPr rtlCol="0" anchor="ctr"/>
+          <a:lstStyle/>
+          <a:p>
+            <a:pPr algn="ctr"/>
+            <a:endParaRPr lang="fr-FR"/>
+          </a:p>
+        </p:txBody>
+      </p:sp>
+      <p:sp>
+        <p:nvSpPr>
+          <p:cNvPr id="7" name="Oval 6"/>
+          <p:cNvSpPr/>
+          <p:nvPr/>
+        </p:nvSpPr>
+        <p:spPr>
+          <a:xfrm>
+            <a:off x="7286644" y="2643182"/>
+            <a:ext cx="642942" cy="642942"/>
+          </a:xfrm>
+          <a:prstGeom prst="ellipse">
+            <a:avLst/>
+          </a:prstGeom>
+          <a:solidFill>
+            <a:srgbClr val="FF0000"/>
+          </a:solidFill>
+          <a:ln>
+            <a:solidFill>
+              <a:srgbClr val="FFC000"/>
+            </a:solidFill>
+          </a:ln>
+        </p:spPr>
+        <p:style>
+          <a:lnRef idx="2">
+            <a:schemeClr val="accent1">
+              <a:shade val="50000"/>
+            </a:schemeClr>
+          </a:lnRef>
+          <a:fillRef idx="1">
+            <a:schemeClr val="accent1"/>
+          </a:fillRef>
+          <a:effectRef idx="0">
+            <a:schemeClr val="accent1"/>
+          </a:effectRef>
+          <a:fontRef idx="minor">
+            <a:schemeClr val="lt1"/>
+          </a:fontRef>
+        </p:style>
+        <p:txBody>
+          <a:bodyPr rtlCol="0" anchor="ctr"/>
+          <a:lstStyle/>
+          <a:p>
+            <a:pPr algn="ctr"/>
+            <a:endParaRPr lang="fr-FR"/>
+          </a:p>
+        </p:txBody>
+      </p:sp>
+      <p:sp>
+        <p:nvSpPr>
+          <p:cNvPr id="8" name="Rounded Rectangle 7"/>
+          <p:cNvSpPr/>
+          <p:nvPr/>
+        </p:nvSpPr>
+        <p:spPr>
+          <a:xfrm>
+            <a:off x="428596" y="2143116"/>
+            <a:ext cx="2286016" cy="2428892"/>
+          </a:xfrm>
+          <a:prstGeom prst="roundRect">
+            <a:avLst/>
+          </a:prstGeom>
+          <a:solidFill>
+            <a:srgbClr val="0D19FF"/>
+          </a:solidFill>
+          <a:ln>
+            <a:solidFill>
+              <a:srgbClr val="FF0000"/>
+            </a:solidFill>
+          </a:ln>
+        </p:spPr>
+        <p:style>
+          <a:lnRef idx="2">
+            <a:schemeClr val="accent1">
+              <a:shade val="50000"/>
+            </a:schemeClr>
+          </a:lnRef>
+          <a:fillRef idx="1">
+            <a:schemeClr val="accent1"/>
+          </a:fillRef>
+          <a:effectRef idx="0">
+            <a:schemeClr val="accent1"/>
+          </a:effectRef>
+          <a:fontRef idx="minor">
+            <a:schemeClr val="lt1"/>
+          </a:fontRef>
+        </p:style>
+        <p:txBody>
+          <a:bodyPr rtlCol="0" anchor="ctr"/>
+          <a:lstStyle/>
+          <a:p>
+            <a:pPr algn="ctr"/>
+            <a:endParaRPr lang="fr-FR"/>
+          </a:p>
+        </p:txBody>
+      </p:sp>
+      <p:sp>
+        <p:nvSpPr>
+          <p:cNvPr id="9" name="Oval 8"/>
+          <p:cNvSpPr/>
+          <p:nvPr/>
+        </p:nvSpPr>
+        <p:spPr>
+          <a:xfrm>
+            <a:off x="1571604" y="2643182"/>
+            <a:ext cx="642942" cy="642942"/>
+          </a:xfrm>
+          <a:prstGeom prst="ellipse">
+            <a:avLst/>
+          </a:prstGeom>
+          <a:solidFill>
+            <a:srgbClr val="FF0000"/>
+          </a:solidFill>
+          <a:ln>
+            <a:noFill/>
+          </a:ln>
+        </p:spPr>
+        <p:style>
+          <a:lnRef idx="2">
+            <a:schemeClr val="accent1">
+              <a:shade val="50000"/>
+            </a:schemeClr>
+          </a:lnRef>
+          <a:fillRef idx="1">
+            <a:schemeClr val="accent1"/>
+          </a:fillRef>
+          <a:effectRef idx="0">
+            <a:schemeClr val="accent1"/>
+          </a:effectRef>
+          <a:fontRef idx="minor">
+            <a:schemeClr val="lt1"/>
+          </a:fontRef>
+        </p:style>
+        <p:txBody>
+          <a:bodyPr rtlCol="0" anchor="ctr"/>
+          <a:lstStyle/>
+          <a:p>
+            <a:pPr algn="ctr"/>
+            <a:endParaRPr lang="fr-FR"/>
+          </a:p>
+        </p:txBody>
+      </p:sp>
     </p:spTree>
   </p:cSld>
   <p:clrMapOvr>
@@ -4592,36 +4844,40 @@
           </a:p>
         </p:txBody>
       </p:sp>
-      <p:sp>
-        <p:nvSpPr>
-          <p:cNvPr id="3" name="Content Placeholder 2"/>
-          <p:cNvSpPr>
-            <a:spLocks noGrp="1"/>
-          </p:cNvSpPr>
-          <p:nvPr>
-            <p:ph idx="1"/>
-          </p:nvPr>
-        </p:nvSpPr>
-        <p:spPr/>
-        <p:txBody>
-          <a:bodyPr/>
-          <a:lstStyle/>
-          <a:p>
-            <a:endParaRPr lang="fr-FR"/>
-          </a:p>
-        </p:txBody>
-      </p:sp>
       <p:pic>
         <p:nvPicPr>
-          <p:cNvPr id="2050" name="Picture 2"/>
+          <p:cNvPr id="6" name="Content Placeholder 5" descr="tumblr_223143347e81a9f98152a9985fef8b5c_d23dbd57_1280.jpg"/>
+          <p:cNvPicPr>
+            <a:picLocks noGrp="1" noChangeAspect="1"/>
+          </p:cNvPicPr>
+          <p:nvPr>
+            <p:ph idx="1"/>
+          </p:nvPr>
+        </p:nvPicPr>
+        <p:blipFill>
+          <a:blip r:embed="rId2" cstate="print"/>
+          <a:stretch>
+            <a:fillRect/>
+          </a:stretch>
+        </p:blipFill>
+        <p:spPr>
+          <a:xfrm>
+            <a:off x="5143504" y="4071942"/>
+            <a:ext cx="1634571" cy="2311385"/>
+          </a:xfrm>
+        </p:spPr>
+      </p:pic>
+      <p:pic>
+        <p:nvPicPr>
+          <p:cNvPr id="1026" name="Picture 2"/>
           <p:cNvPicPr>
             <a:picLocks noChangeAspect="1" noChangeArrowheads="1"/>
           </p:cNvPicPr>
           <p:nvPr/>
         </p:nvPicPr>
         <p:blipFill>
-          <a:blip r:embed="rId2"/>
-          <a:srcRect l="14062" t="27083" r="40234" b="30208"/>
+          <a:blip r:embed="rId3"/>
+          <a:srcRect l="14062" t="28125" r="40234" b="29166"/>
           <a:stretch>
             <a:fillRect/>
           </a:stretch>
@@ -4646,35 +4902,28 @@
       </p:pic>
       <p:pic>
         <p:nvPicPr>
-          <p:cNvPr id="2051" name="Picture 3"/>
+          <p:cNvPr id="3074" name="Picture 2" descr="Department Uses Thermal Imaging to Detect COVID-19 &amp;gt; U.S. DEPARTMENT OF  DEFENSE &amp;gt; Defense Department News"/>
           <p:cNvPicPr>
             <a:picLocks noChangeAspect="1" noChangeArrowheads="1"/>
           </p:cNvPicPr>
           <p:nvPr/>
         </p:nvPicPr>
         <p:blipFill>
-          <a:blip r:embed="rId3"/>
-          <a:srcRect l="13672" t="37500" r="40039" b="20833"/>
+          <a:blip r:embed="rId4"/>
+          <a:srcRect/>
           <a:stretch>
             <a:fillRect/>
           </a:stretch>
         </p:blipFill>
         <p:spPr bwMode="auto">
           <a:xfrm>
-            <a:off x="142844" y="3500438"/>
-            <a:ext cx="5643602" cy="2857520"/>
+            <a:off x="0" y="4224375"/>
+            <a:ext cx="3947353" cy="2633625"/>
           </a:xfrm>
           <a:prstGeom prst="rect">
             <a:avLst/>
           </a:prstGeom>
           <a:noFill/>
-          <a:ln w="9525">
-            <a:noFill/>
-            <a:miter lim="800000"/>
-            <a:headEnd/>
-            <a:tailEnd/>
-          </a:ln>
-          <a:effectLst/>
         </p:spPr>
       </p:pic>
     </p:spTree>
@@ -4723,284 +4972,89 @@
       </p:sp>
       <p:sp>
         <p:nvSpPr>
-          <p:cNvPr id="4" name="Rounded Rectangle 3"/>
-          <p:cNvSpPr/>
+          <p:cNvPr id="3" name="Content Placeholder 2"/>
+          <p:cNvSpPr>
+            <a:spLocks noGrp="1"/>
+          </p:cNvSpPr>
+          <p:nvPr>
+            <p:ph idx="1"/>
+          </p:nvPr>
+        </p:nvSpPr>
+        <p:spPr/>
+        <p:txBody>
+          <a:bodyPr/>
+          <a:lstStyle/>
+          <a:p>
+            <a:endParaRPr lang="fr-FR"/>
+          </a:p>
+        </p:txBody>
+      </p:sp>
+      <p:pic>
+        <p:nvPicPr>
+          <p:cNvPr id="2050" name="Picture 2"/>
+          <p:cNvPicPr>
+            <a:picLocks noChangeAspect="1" noChangeArrowheads="1"/>
+          </p:cNvPicPr>
           <p:nvPr/>
-        </p:nvSpPr>
-        <p:spPr>
-          <a:xfrm>
-            <a:off x="3286116" y="2143116"/>
-            <a:ext cx="2286016" cy="2428892"/>
-          </a:xfrm>
-          <a:prstGeom prst="roundRect">
+        </p:nvPicPr>
+        <p:blipFill>
+          <a:blip r:embed="rId2"/>
+          <a:srcRect l="14062" t="27083" r="40234" b="30208"/>
+          <a:stretch>
+            <a:fillRect/>
+          </a:stretch>
+        </p:blipFill>
+        <p:spPr bwMode="auto">
+          <a:xfrm>
+            <a:off x="0" y="0"/>
+            <a:ext cx="7746667" cy="4071966"/>
+          </a:xfrm>
+          <a:prstGeom prst="rect">
             <a:avLst/>
           </a:prstGeom>
-          <a:solidFill>
-            <a:srgbClr val="FFC000"/>
-          </a:solidFill>
-          <a:ln>
+          <a:noFill/>
+          <a:ln w="9525">
             <a:noFill/>
+            <a:miter lim="800000"/>
+            <a:headEnd/>
+            <a:tailEnd/>
           </a:ln>
-        </p:spPr>
-        <p:style>
-          <a:lnRef idx="2">
-            <a:schemeClr val="accent1">
-              <a:shade val="50000"/>
-            </a:schemeClr>
-          </a:lnRef>
-          <a:fillRef idx="1">
-            <a:schemeClr val="accent1"/>
-          </a:fillRef>
-          <a:effectRef idx="0">
-            <a:schemeClr val="accent1"/>
-          </a:effectRef>
-          <a:fontRef idx="minor">
-            <a:schemeClr val="lt1"/>
-          </a:fontRef>
-        </p:style>
-        <p:txBody>
-          <a:bodyPr rtlCol="0" anchor="ctr"/>
-          <a:lstStyle/>
-          <a:p>
-            <a:pPr algn="ctr"/>
-            <a:endParaRPr lang="fr-FR"/>
-          </a:p>
-        </p:txBody>
-      </p:sp>
-      <p:sp>
-        <p:nvSpPr>
-          <p:cNvPr id="5" name="Oval 4"/>
-          <p:cNvSpPr/>
+          <a:effectLst/>
+        </p:spPr>
+      </p:pic>
+      <p:pic>
+        <p:nvPicPr>
+          <p:cNvPr id="2051" name="Picture 3"/>
+          <p:cNvPicPr>
+            <a:picLocks noChangeAspect="1" noChangeArrowheads="1"/>
+          </p:cNvPicPr>
           <p:nvPr/>
-        </p:nvSpPr>
-        <p:spPr>
-          <a:xfrm>
-            <a:off x="4429124" y="2643182"/>
-            <a:ext cx="642942" cy="642942"/>
-          </a:xfrm>
-          <a:prstGeom prst="ellipse">
+        </p:nvPicPr>
+        <p:blipFill>
+          <a:blip r:embed="rId3"/>
+          <a:srcRect l="13672" t="37500" r="40039" b="20833"/>
+          <a:stretch>
+            <a:fillRect/>
+          </a:stretch>
+        </p:blipFill>
+        <p:spPr bwMode="auto">
+          <a:xfrm>
+            <a:off x="142844" y="3500438"/>
+            <a:ext cx="5643602" cy="2857520"/>
+          </a:xfrm>
+          <a:prstGeom prst="rect">
             <a:avLst/>
           </a:prstGeom>
-          <a:solidFill>
-            <a:srgbClr val="FF0000"/>
-          </a:solidFill>
-          <a:ln>
+          <a:noFill/>
+          <a:ln w="9525">
             <a:noFill/>
+            <a:miter lim="800000"/>
+            <a:headEnd/>
+            <a:tailEnd/>
           </a:ln>
-        </p:spPr>
-        <p:style>
-          <a:lnRef idx="2">
-            <a:schemeClr val="accent1">
-              <a:shade val="50000"/>
-            </a:schemeClr>
-          </a:lnRef>
-          <a:fillRef idx="1">
-            <a:schemeClr val="accent1"/>
-          </a:fillRef>
-          <a:effectRef idx="0">
-            <a:schemeClr val="accent1"/>
-          </a:effectRef>
-          <a:fontRef idx="minor">
-            <a:schemeClr val="lt1"/>
-          </a:fontRef>
-        </p:style>
-        <p:txBody>
-          <a:bodyPr rtlCol="0" anchor="ctr"/>
-          <a:lstStyle/>
-          <a:p>
-            <a:pPr algn="ctr"/>
-            <a:endParaRPr lang="fr-FR"/>
-          </a:p>
-        </p:txBody>
-      </p:sp>
-      <p:sp>
-        <p:nvSpPr>
-          <p:cNvPr id="6" name="Rounded Rectangle 5"/>
-          <p:cNvSpPr/>
-          <p:nvPr/>
-        </p:nvSpPr>
-        <p:spPr>
-          <a:xfrm>
-            <a:off x="6143636" y="2143116"/>
-            <a:ext cx="2286016" cy="2428892"/>
-          </a:xfrm>
-          <a:prstGeom prst="roundRect">
-            <a:avLst/>
-          </a:prstGeom>
-          <a:solidFill>
-            <a:srgbClr val="0D19FF"/>
-          </a:solidFill>
-          <a:ln>
-            <a:noFill/>
-          </a:ln>
-        </p:spPr>
-        <p:style>
-          <a:lnRef idx="2">
-            <a:schemeClr val="accent1">
-              <a:shade val="50000"/>
-            </a:schemeClr>
-          </a:lnRef>
-          <a:fillRef idx="1">
-            <a:schemeClr val="accent1"/>
-          </a:fillRef>
-          <a:effectRef idx="0">
-            <a:schemeClr val="accent1"/>
-          </a:effectRef>
-          <a:fontRef idx="minor">
-            <a:schemeClr val="lt1"/>
-          </a:fontRef>
-        </p:style>
-        <p:txBody>
-          <a:bodyPr rtlCol="0" anchor="ctr"/>
-          <a:lstStyle/>
-          <a:p>
-            <a:pPr algn="ctr"/>
-            <a:endParaRPr lang="fr-FR"/>
-          </a:p>
-        </p:txBody>
-      </p:sp>
-      <p:sp>
-        <p:nvSpPr>
-          <p:cNvPr id="7" name="Oval 6"/>
-          <p:cNvSpPr/>
-          <p:nvPr/>
-        </p:nvSpPr>
-        <p:spPr>
-          <a:xfrm>
-            <a:off x="7286644" y="2643182"/>
-            <a:ext cx="642942" cy="642942"/>
-          </a:xfrm>
-          <a:prstGeom prst="ellipse">
-            <a:avLst/>
-          </a:prstGeom>
-          <a:solidFill>
-            <a:srgbClr val="FF0000"/>
-          </a:solidFill>
-          <a:ln>
-            <a:solidFill>
-              <a:srgbClr val="FFC000"/>
-            </a:solidFill>
-          </a:ln>
-        </p:spPr>
-        <p:style>
-          <a:lnRef idx="2">
-            <a:schemeClr val="accent1">
-              <a:shade val="50000"/>
-            </a:schemeClr>
-          </a:lnRef>
-          <a:fillRef idx="1">
-            <a:schemeClr val="accent1"/>
-          </a:fillRef>
-          <a:effectRef idx="0">
-            <a:schemeClr val="accent1"/>
-          </a:effectRef>
-          <a:fontRef idx="minor">
-            <a:schemeClr val="lt1"/>
-          </a:fontRef>
-        </p:style>
-        <p:txBody>
-          <a:bodyPr rtlCol="0" anchor="ctr"/>
-          <a:lstStyle/>
-          <a:p>
-            <a:pPr algn="ctr"/>
-            <a:endParaRPr lang="fr-FR"/>
-          </a:p>
-        </p:txBody>
-      </p:sp>
-      <p:sp>
-        <p:nvSpPr>
-          <p:cNvPr id="8" name="Rounded Rectangle 7"/>
-          <p:cNvSpPr/>
-          <p:nvPr/>
-        </p:nvSpPr>
-        <p:spPr>
-          <a:xfrm>
-            <a:off x="428596" y="2143116"/>
-            <a:ext cx="2286016" cy="2428892"/>
-          </a:xfrm>
-          <a:prstGeom prst="roundRect">
-            <a:avLst/>
-          </a:prstGeom>
-          <a:solidFill>
-            <a:srgbClr val="0D19FF"/>
-          </a:solidFill>
-          <a:ln>
-            <a:solidFill>
-              <a:srgbClr val="FF0000"/>
-            </a:solidFill>
-          </a:ln>
-        </p:spPr>
-        <p:style>
-          <a:lnRef idx="2">
-            <a:schemeClr val="accent1">
-              <a:shade val="50000"/>
-            </a:schemeClr>
-          </a:lnRef>
-          <a:fillRef idx="1">
-            <a:schemeClr val="accent1"/>
-          </a:fillRef>
-          <a:effectRef idx="0">
-            <a:schemeClr val="accent1"/>
-          </a:effectRef>
-          <a:fontRef idx="minor">
-            <a:schemeClr val="lt1"/>
-          </a:fontRef>
-        </p:style>
-        <p:txBody>
-          <a:bodyPr rtlCol="0" anchor="ctr"/>
-          <a:lstStyle/>
-          <a:p>
-            <a:pPr algn="ctr"/>
-            <a:endParaRPr lang="fr-FR"/>
-          </a:p>
-        </p:txBody>
-      </p:sp>
-      <p:sp>
-        <p:nvSpPr>
-          <p:cNvPr id="9" name="Oval 8"/>
-          <p:cNvSpPr/>
-          <p:nvPr/>
-        </p:nvSpPr>
-        <p:spPr>
-          <a:xfrm>
-            <a:off x="1571604" y="2643182"/>
-            <a:ext cx="642942" cy="642942"/>
-          </a:xfrm>
-          <a:prstGeom prst="ellipse">
-            <a:avLst/>
-          </a:prstGeom>
-          <a:solidFill>
-            <a:srgbClr val="FF0000"/>
-          </a:solidFill>
-          <a:ln>
-            <a:noFill/>
-          </a:ln>
-        </p:spPr>
-        <p:style>
-          <a:lnRef idx="2">
-            <a:schemeClr val="accent1">
-              <a:shade val="50000"/>
-            </a:schemeClr>
-          </a:lnRef>
-          <a:fillRef idx="1">
-            <a:schemeClr val="accent1"/>
-          </a:fillRef>
-          <a:effectRef idx="0">
-            <a:schemeClr val="accent1"/>
-          </a:effectRef>
-          <a:fontRef idx="minor">
-            <a:schemeClr val="lt1"/>
-          </a:fontRef>
-        </p:style>
-        <p:txBody>
-          <a:bodyPr rtlCol="0" anchor="ctr"/>
-          <a:lstStyle/>
-          <a:p>
-            <a:pPr algn="ctr"/>
-            <a:endParaRPr lang="fr-FR"/>
-          </a:p>
-        </p:txBody>
-      </p:sp>
+          <a:effectLst/>
+        </p:spPr>
+      </p:pic>
     </p:spTree>
   </p:cSld>
   <p:clrMapOvr>

--- a/design idea.pptx
+++ b/design idea.pptx
@@ -7,8 +7,9 @@
   <p:sldIdLst>
     <p:sldId id="256" r:id="rId2"/>
     <p:sldId id="257" r:id="rId3"/>
-    <p:sldId id="258" r:id="rId4"/>
-    <p:sldId id="259" r:id="rId5"/>
+    <p:sldId id="260" r:id="rId4"/>
+    <p:sldId id="258" r:id="rId5"/>
+    <p:sldId id="259" r:id="rId6"/>
   </p:sldIdLst>
   <p:sldSz cx="9144000" cy="6858000" type="screen4x3"/>
   <p:notesSz cx="6858000" cy="9144000"/>
@@ -4503,32 +4504,13 @@
       </p:grpSpPr>
       <p:sp>
         <p:nvSpPr>
-          <p:cNvPr id="2" name="Title 1"/>
-          <p:cNvSpPr>
-            <a:spLocks noGrp="1"/>
-          </p:cNvSpPr>
-          <p:nvPr>
-            <p:ph type="title"/>
-          </p:nvPr>
-        </p:nvSpPr>
-        <p:spPr/>
-        <p:txBody>
-          <a:bodyPr/>
-          <a:lstStyle/>
-          <a:p>
-            <a:endParaRPr lang="fr-FR"/>
-          </a:p>
-        </p:txBody>
-      </p:sp>
-      <p:sp>
-        <p:nvSpPr>
           <p:cNvPr id="4" name="Rounded Rectangle 3"/>
           <p:cNvSpPr/>
           <p:nvPr/>
         </p:nvSpPr>
         <p:spPr>
           <a:xfrm>
-            <a:off x="3286116" y="2143116"/>
+            <a:off x="3286116" y="285728"/>
             <a:ext cx="2286016" cy="2428892"/>
           </a:xfrm>
           <a:prstGeom prst="roundRect">
@@ -4574,7 +4556,7 @@
         </p:nvSpPr>
         <p:spPr>
           <a:xfrm>
-            <a:off x="4429124" y="2643182"/>
+            <a:off x="4429124" y="785794"/>
             <a:ext cx="642942" cy="642942"/>
           </a:xfrm>
           <a:prstGeom prst="ellipse">
@@ -4620,7 +4602,7 @@
         </p:nvSpPr>
         <p:spPr>
           <a:xfrm>
-            <a:off x="6143636" y="2143116"/>
+            <a:off x="6143636" y="285728"/>
             <a:ext cx="2286016" cy="2428892"/>
           </a:xfrm>
           <a:prstGeom prst="roundRect">
@@ -4666,7 +4648,7 @@
         </p:nvSpPr>
         <p:spPr>
           <a:xfrm>
-            <a:off x="7286644" y="2643182"/>
+            <a:off x="7286644" y="785794"/>
             <a:ext cx="642942" cy="642942"/>
           </a:xfrm>
           <a:prstGeom prst="ellipse">
@@ -4714,7 +4696,7 @@
         </p:nvSpPr>
         <p:spPr>
           <a:xfrm>
-            <a:off x="428596" y="2143116"/>
+            <a:off x="428596" y="285728"/>
             <a:ext cx="2286016" cy="2428892"/>
           </a:xfrm>
           <a:prstGeom prst="roundRect">
@@ -4762,7 +4744,7 @@
         </p:nvSpPr>
         <p:spPr>
           <a:xfrm>
-            <a:off x="1571604" y="2643182"/>
+            <a:off x="1571604" y="785794"/>
             <a:ext cx="642942" cy="642942"/>
           </a:xfrm>
           <a:prstGeom prst="ellipse">
@@ -4797,6 +4779,1047 @@
           <a:p>
             <a:pPr algn="ctr"/>
             <a:endParaRPr lang="fr-FR"/>
+          </a:p>
+        </p:txBody>
+      </p:sp>
+      <p:sp>
+        <p:nvSpPr>
+          <p:cNvPr id="11" name="Freeform 10"/>
+          <p:cNvSpPr/>
+          <p:nvPr/>
+        </p:nvSpPr>
+        <p:spPr>
+          <a:xfrm rot="16812666">
+            <a:off x="6445185" y="924438"/>
+            <a:ext cx="1195896" cy="1440847"/>
+          </a:xfrm>
+          <a:custGeom>
+            <a:avLst/>
+            <a:gdLst>
+              <a:gd name="connsiteX0" fmla="*/ 1584569 w 4900246"/>
+              <a:gd name="connsiteY0" fmla="*/ 0 h 3329354"/>
+              <a:gd name="connsiteX1" fmla="*/ 60569 w 4900246"/>
+              <a:gd name="connsiteY1" fmla="*/ 1324708 h 3329354"/>
+              <a:gd name="connsiteX2" fmla="*/ 1221153 w 4900246"/>
+              <a:gd name="connsiteY2" fmla="*/ 738554 h 3329354"/>
+              <a:gd name="connsiteX3" fmla="*/ 1174261 w 4900246"/>
+              <a:gd name="connsiteY3" fmla="*/ 2157046 h 3329354"/>
+              <a:gd name="connsiteX4" fmla="*/ 4374661 w 4900246"/>
+              <a:gd name="connsiteY4" fmla="*/ 2719754 h 3329354"/>
+              <a:gd name="connsiteX5" fmla="*/ 4327769 w 4900246"/>
+              <a:gd name="connsiteY5" fmla="*/ 3329354 h 3329354"/>
+            </a:gdLst>
+            <a:ahLst/>
+            <a:cxnLst>
+              <a:cxn ang="0">
+                <a:pos x="connsiteX0" y="connsiteY0"/>
+              </a:cxn>
+              <a:cxn ang="0">
+                <a:pos x="connsiteX1" y="connsiteY1"/>
+              </a:cxn>
+              <a:cxn ang="0">
+                <a:pos x="connsiteX2" y="connsiteY2"/>
+              </a:cxn>
+              <a:cxn ang="0">
+                <a:pos x="connsiteX3" y="connsiteY3"/>
+              </a:cxn>
+              <a:cxn ang="0">
+                <a:pos x="connsiteX4" y="connsiteY4"/>
+              </a:cxn>
+              <a:cxn ang="0">
+                <a:pos x="connsiteX5" y="connsiteY5"/>
+              </a:cxn>
+            </a:cxnLst>
+            <a:rect l="l" t="t" r="r" b="b"/>
+            <a:pathLst>
+              <a:path w="4900246" h="3329354">
+                <a:moveTo>
+                  <a:pt x="1584569" y="0"/>
+                </a:moveTo>
+                <a:cubicBezTo>
+                  <a:pt x="852853" y="600808"/>
+                  <a:pt x="121138" y="1201616"/>
+                  <a:pt x="60569" y="1324708"/>
+                </a:cubicBezTo>
+                <a:cubicBezTo>
+                  <a:pt x="0" y="1447800"/>
+                  <a:pt x="1035538" y="599831"/>
+                  <a:pt x="1221153" y="738554"/>
+                </a:cubicBezTo>
+                <a:cubicBezTo>
+                  <a:pt x="1406768" y="877277"/>
+                  <a:pt x="648676" y="1826846"/>
+                  <a:pt x="1174261" y="2157046"/>
+                </a:cubicBezTo>
+                <a:cubicBezTo>
+                  <a:pt x="1699846" y="2487246"/>
+                  <a:pt x="3849076" y="2524369"/>
+                  <a:pt x="4374661" y="2719754"/>
+                </a:cubicBezTo>
+                <a:cubicBezTo>
+                  <a:pt x="4900246" y="2915139"/>
+                  <a:pt x="4829907" y="2795954"/>
+                  <a:pt x="4327769" y="3329354"/>
+                </a:cubicBezTo>
+              </a:path>
+            </a:pathLst>
+          </a:custGeom>
+          <a:noFill/>
+          <a:ln w="38100">
+            <a:solidFill>
+              <a:srgbClr val="FFC000"/>
+            </a:solidFill>
+          </a:ln>
+        </p:spPr>
+        <p:style>
+          <a:lnRef idx="1">
+            <a:schemeClr val="accent1"/>
+          </a:lnRef>
+          <a:fillRef idx="0">
+            <a:schemeClr val="accent1"/>
+          </a:fillRef>
+          <a:effectRef idx="0">
+            <a:schemeClr val="accent1"/>
+          </a:effectRef>
+          <a:fontRef idx="minor">
+            <a:schemeClr val="tx1"/>
+          </a:fontRef>
+        </p:style>
+        <p:txBody>
+          <a:bodyPr rtlCol="0" anchor="ctr"/>
+          <a:lstStyle/>
+          <a:p>
+            <a:pPr algn="ctr"/>
+            <a:endParaRPr lang="fr-FR"/>
+          </a:p>
+        </p:txBody>
+      </p:sp>
+      <p:sp>
+        <p:nvSpPr>
+          <p:cNvPr id="12" name="Freeform 11"/>
+          <p:cNvSpPr/>
+          <p:nvPr/>
+        </p:nvSpPr>
+        <p:spPr>
+          <a:xfrm rot="16812666">
+            <a:off x="6432141" y="924438"/>
+            <a:ext cx="1195896" cy="1440847"/>
+          </a:xfrm>
+          <a:custGeom>
+            <a:avLst/>
+            <a:gdLst>
+              <a:gd name="connsiteX0" fmla="*/ 1584569 w 4900246"/>
+              <a:gd name="connsiteY0" fmla="*/ 0 h 3329354"/>
+              <a:gd name="connsiteX1" fmla="*/ 60569 w 4900246"/>
+              <a:gd name="connsiteY1" fmla="*/ 1324708 h 3329354"/>
+              <a:gd name="connsiteX2" fmla="*/ 1221153 w 4900246"/>
+              <a:gd name="connsiteY2" fmla="*/ 738554 h 3329354"/>
+              <a:gd name="connsiteX3" fmla="*/ 1174261 w 4900246"/>
+              <a:gd name="connsiteY3" fmla="*/ 2157046 h 3329354"/>
+              <a:gd name="connsiteX4" fmla="*/ 4374661 w 4900246"/>
+              <a:gd name="connsiteY4" fmla="*/ 2719754 h 3329354"/>
+              <a:gd name="connsiteX5" fmla="*/ 4327769 w 4900246"/>
+              <a:gd name="connsiteY5" fmla="*/ 3329354 h 3329354"/>
+            </a:gdLst>
+            <a:ahLst/>
+            <a:cxnLst>
+              <a:cxn ang="0">
+                <a:pos x="connsiteX0" y="connsiteY0"/>
+              </a:cxn>
+              <a:cxn ang="0">
+                <a:pos x="connsiteX1" y="connsiteY1"/>
+              </a:cxn>
+              <a:cxn ang="0">
+                <a:pos x="connsiteX2" y="connsiteY2"/>
+              </a:cxn>
+              <a:cxn ang="0">
+                <a:pos x="connsiteX3" y="connsiteY3"/>
+              </a:cxn>
+              <a:cxn ang="0">
+                <a:pos x="connsiteX4" y="connsiteY4"/>
+              </a:cxn>
+              <a:cxn ang="0">
+                <a:pos x="connsiteX5" y="connsiteY5"/>
+              </a:cxn>
+            </a:cxnLst>
+            <a:rect l="l" t="t" r="r" b="b"/>
+            <a:pathLst>
+              <a:path w="4900246" h="3329354">
+                <a:moveTo>
+                  <a:pt x="1584569" y="0"/>
+                </a:moveTo>
+                <a:cubicBezTo>
+                  <a:pt x="852853" y="600808"/>
+                  <a:pt x="121138" y="1201616"/>
+                  <a:pt x="60569" y="1324708"/>
+                </a:cubicBezTo>
+                <a:cubicBezTo>
+                  <a:pt x="0" y="1447800"/>
+                  <a:pt x="1035538" y="599831"/>
+                  <a:pt x="1221153" y="738554"/>
+                </a:cubicBezTo>
+                <a:cubicBezTo>
+                  <a:pt x="1406768" y="877277"/>
+                  <a:pt x="648676" y="1826846"/>
+                  <a:pt x="1174261" y="2157046"/>
+                </a:cubicBezTo>
+                <a:cubicBezTo>
+                  <a:pt x="1699846" y="2487246"/>
+                  <a:pt x="3849076" y="2524369"/>
+                  <a:pt x="4374661" y="2719754"/>
+                </a:cubicBezTo>
+                <a:cubicBezTo>
+                  <a:pt x="4900246" y="2915139"/>
+                  <a:pt x="4829907" y="2795954"/>
+                  <a:pt x="4327769" y="3329354"/>
+                </a:cubicBezTo>
+              </a:path>
+            </a:pathLst>
+          </a:custGeom>
+          <a:noFill/>
+          <a:ln w="19050">
+            <a:solidFill>
+              <a:srgbClr val="FF0000"/>
+            </a:solidFill>
+          </a:ln>
+        </p:spPr>
+        <p:style>
+          <a:lnRef idx="1">
+            <a:schemeClr val="accent1"/>
+          </a:lnRef>
+          <a:fillRef idx="0">
+            <a:schemeClr val="accent1"/>
+          </a:fillRef>
+          <a:effectRef idx="0">
+            <a:schemeClr val="accent1"/>
+          </a:effectRef>
+          <a:fontRef idx="minor">
+            <a:schemeClr val="tx1"/>
+          </a:fontRef>
+        </p:style>
+        <p:txBody>
+          <a:bodyPr rtlCol="0" anchor="ctr"/>
+          <a:lstStyle/>
+          <a:p>
+            <a:pPr algn="ctr"/>
+            <a:endParaRPr lang="fr-FR"/>
+          </a:p>
+        </p:txBody>
+      </p:sp>
+      <p:sp>
+        <p:nvSpPr>
+          <p:cNvPr id="13" name="Rounded Rectangle 12"/>
+          <p:cNvSpPr/>
+          <p:nvPr/>
+        </p:nvSpPr>
+        <p:spPr>
+          <a:xfrm>
+            <a:off x="428596" y="3214686"/>
+            <a:ext cx="2286016" cy="2428892"/>
+          </a:xfrm>
+          <a:prstGeom prst="roundRect">
+            <a:avLst/>
+          </a:prstGeom>
+          <a:solidFill>
+            <a:srgbClr val="0D19FF"/>
+          </a:solidFill>
+          <a:ln>
+            <a:solidFill>
+              <a:srgbClr val="EE6612"/>
+            </a:solidFill>
+          </a:ln>
+        </p:spPr>
+        <p:style>
+          <a:lnRef idx="2">
+            <a:schemeClr val="accent1">
+              <a:shade val="50000"/>
+            </a:schemeClr>
+          </a:lnRef>
+          <a:fillRef idx="1">
+            <a:schemeClr val="accent1"/>
+          </a:fillRef>
+          <a:effectRef idx="0">
+            <a:schemeClr val="accent1"/>
+          </a:effectRef>
+          <a:fontRef idx="minor">
+            <a:schemeClr val="lt1"/>
+          </a:fontRef>
+        </p:style>
+        <p:txBody>
+          <a:bodyPr rtlCol="0" anchor="ctr"/>
+          <a:lstStyle/>
+          <a:p>
+            <a:pPr algn="ctr"/>
+            <a:endParaRPr lang="fr-FR"/>
+          </a:p>
+        </p:txBody>
+      </p:sp>
+      <p:sp>
+        <p:nvSpPr>
+          <p:cNvPr id="14" name="Oval 13"/>
+          <p:cNvSpPr/>
+          <p:nvPr/>
+        </p:nvSpPr>
+        <p:spPr>
+          <a:xfrm>
+            <a:off x="1571604" y="3714752"/>
+            <a:ext cx="642942" cy="642942"/>
+          </a:xfrm>
+          <a:prstGeom prst="ellipse">
+            <a:avLst/>
+          </a:prstGeom>
+          <a:solidFill>
+            <a:srgbClr val="FF0000"/>
+          </a:solidFill>
+          <a:ln>
+            <a:solidFill>
+              <a:srgbClr val="FFC000"/>
+            </a:solidFill>
+          </a:ln>
+        </p:spPr>
+        <p:style>
+          <a:lnRef idx="2">
+            <a:schemeClr val="accent1">
+              <a:shade val="50000"/>
+            </a:schemeClr>
+          </a:lnRef>
+          <a:fillRef idx="1">
+            <a:schemeClr val="accent1"/>
+          </a:fillRef>
+          <a:effectRef idx="0">
+            <a:schemeClr val="accent1"/>
+          </a:effectRef>
+          <a:fontRef idx="minor">
+            <a:schemeClr val="lt1"/>
+          </a:fontRef>
+        </p:style>
+        <p:txBody>
+          <a:bodyPr rtlCol="0" anchor="ctr"/>
+          <a:lstStyle/>
+          <a:p>
+            <a:pPr algn="ctr"/>
+            <a:endParaRPr lang="fr-FR"/>
+          </a:p>
+        </p:txBody>
+      </p:sp>
+      <p:sp>
+        <p:nvSpPr>
+          <p:cNvPr id="15" name="Freeform 14"/>
+          <p:cNvSpPr/>
+          <p:nvPr/>
+        </p:nvSpPr>
+        <p:spPr>
+          <a:xfrm rot="16812666">
+            <a:off x="730145" y="3853396"/>
+            <a:ext cx="1195896" cy="1440847"/>
+          </a:xfrm>
+          <a:custGeom>
+            <a:avLst/>
+            <a:gdLst>
+              <a:gd name="connsiteX0" fmla="*/ 1584569 w 4900246"/>
+              <a:gd name="connsiteY0" fmla="*/ 0 h 3329354"/>
+              <a:gd name="connsiteX1" fmla="*/ 60569 w 4900246"/>
+              <a:gd name="connsiteY1" fmla="*/ 1324708 h 3329354"/>
+              <a:gd name="connsiteX2" fmla="*/ 1221153 w 4900246"/>
+              <a:gd name="connsiteY2" fmla="*/ 738554 h 3329354"/>
+              <a:gd name="connsiteX3" fmla="*/ 1174261 w 4900246"/>
+              <a:gd name="connsiteY3" fmla="*/ 2157046 h 3329354"/>
+              <a:gd name="connsiteX4" fmla="*/ 4374661 w 4900246"/>
+              <a:gd name="connsiteY4" fmla="*/ 2719754 h 3329354"/>
+              <a:gd name="connsiteX5" fmla="*/ 4327769 w 4900246"/>
+              <a:gd name="connsiteY5" fmla="*/ 3329354 h 3329354"/>
+            </a:gdLst>
+            <a:ahLst/>
+            <a:cxnLst>
+              <a:cxn ang="0">
+                <a:pos x="connsiteX0" y="connsiteY0"/>
+              </a:cxn>
+              <a:cxn ang="0">
+                <a:pos x="connsiteX1" y="connsiteY1"/>
+              </a:cxn>
+              <a:cxn ang="0">
+                <a:pos x="connsiteX2" y="connsiteY2"/>
+              </a:cxn>
+              <a:cxn ang="0">
+                <a:pos x="connsiteX3" y="connsiteY3"/>
+              </a:cxn>
+              <a:cxn ang="0">
+                <a:pos x="connsiteX4" y="connsiteY4"/>
+              </a:cxn>
+              <a:cxn ang="0">
+                <a:pos x="connsiteX5" y="connsiteY5"/>
+              </a:cxn>
+            </a:cxnLst>
+            <a:rect l="l" t="t" r="r" b="b"/>
+            <a:pathLst>
+              <a:path w="4900246" h="3329354">
+                <a:moveTo>
+                  <a:pt x="1584569" y="0"/>
+                </a:moveTo>
+                <a:cubicBezTo>
+                  <a:pt x="852853" y="600808"/>
+                  <a:pt x="121138" y="1201616"/>
+                  <a:pt x="60569" y="1324708"/>
+                </a:cubicBezTo>
+                <a:cubicBezTo>
+                  <a:pt x="0" y="1447800"/>
+                  <a:pt x="1035538" y="599831"/>
+                  <a:pt x="1221153" y="738554"/>
+                </a:cubicBezTo>
+                <a:cubicBezTo>
+                  <a:pt x="1406768" y="877277"/>
+                  <a:pt x="648676" y="1826846"/>
+                  <a:pt x="1174261" y="2157046"/>
+                </a:cubicBezTo>
+                <a:cubicBezTo>
+                  <a:pt x="1699846" y="2487246"/>
+                  <a:pt x="3849076" y="2524369"/>
+                  <a:pt x="4374661" y="2719754"/>
+                </a:cubicBezTo>
+                <a:cubicBezTo>
+                  <a:pt x="4900246" y="2915139"/>
+                  <a:pt x="4829907" y="2795954"/>
+                  <a:pt x="4327769" y="3329354"/>
+                </a:cubicBezTo>
+              </a:path>
+            </a:pathLst>
+          </a:custGeom>
+          <a:noFill/>
+          <a:ln w="38100">
+            <a:solidFill>
+              <a:srgbClr val="FFC000"/>
+            </a:solidFill>
+          </a:ln>
+        </p:spPr>
+        <p:style>
+          <a:lnRef idx="1">
+            <a:schemeClr val="accent1"/>
+          </a:lnRef>
+          <a:fillRef idx="0">
+            <a:schemeClr val="accent1"/>
+          </a:fillRef>
+          <a:effectRef idx="0">
+            <a:schemeClr val="accent1"/>
+          </a:effectRef>
+          <a:fontRef idx="minor">
+            <a:schemeClr val="tx1"/>
+          </a:fontRef>
+        </p:style>
+        <p:txBody>
+          <a:bodyPr rtlCol="0" anchor="ctr"/>
+          <a:lstStyle/>
+          <a:p>
+            <a:pPr algn="ctr"/>
+            <a:endParaRPr lang="fr-FR"/>
+          </a:p>
+        </p:txBody>
+      </p:sp>
+      <p:sp>
+        <p:nvSpPr>
+          <p:cNvPr id="16" name="Freeform 15"/>
+          <p:cNvSpPr/>
+          <p:nvPr/>
+        </p:nvSpPr>
+        <p:spPr>
+          <a:xfrm rot="16812666">
+            <a:off x="717101" y="3853396"/>
+            <a:ext cx="1195896" cy="1440847"/>
+          </a:xfrm>
+          <a:custGeom>
+            <a:avLst/>
+            <a:gdLst>
+              <a:gd name="connsiteX0" fmla="*/ 1584569 w 4900246"/>
+              <a:gd name="connsiteY0" fmla="*/ 0 h 3329354"/>
+              <a:gd name="connsiteX1" fmla="*/ 60569 w 4900246"/>
+              <a:gd name="connsiteY1" fmla="*/ 1324708 h 3329354"/>
+              <a:gd name="connsiteX2" fmla="*/ 1221153 w 4900246"/>
+              <a:gd name="connsiteY2" fmla="*/ 738554 h 3329354"/>
+              <a:gd name="connsiteX3" fmla="*/ 1174261 w 4900246"/>
+              <a:gd name="connsiteY3" fmla="*/ 2157046 h 3329354"/>
+              <a:gd name="connsiteX4" fmla="*/ 4374661 w 4900246"/>
+              <a:gd name="connsiteY4" fmla="*/ 2719754 h 3329354"/>
+              <a:gd name="connsiteX5" fmla="*/ 4327769 w 4900246"/>
+              <a:gd name="connsiteY5" fmla="*/ 3329354 h 3329354"/>
+            </a:gdLst>
+            <a:ahLst/>
+            <a:cxnLst>
+              <a:cxn ang="0">
+                <a:pos x="connsiteX0" y="connsiteY0"/>
+              </a:cxn>
+              <a:cxn ang="0">
+                <a:pos x="connsiteX1" y="connsiteY1"/>
+              </a:cxn>
+              <a:cxn ang="0">
+                <a:pos x="connsiteX2" y="connsiteY2"/>
+              </a:cxn>
+              <a:cxn ang="0">
+                <a:pos x="connsiteX3" y="connsiteY3"/>
+              </a:cxn>
+              <a:cxn ang="0">
+                <a:pos x="connsiteX4" y="connsiteY4"/>
+              </a:cxn>
+              <a:cxn ang="0">
+                <a:pos x="connsiteX5" y="connsiteY5"/>
+              </a:cxn>
+            </a:cxnLst>
+            <a:rect l="l" t="t" r="r" b="b"/>
+            <a:pathLst>
+              <a:path w="4900246" h="3329354">
+                <a:moveTo>
+                  <a:pt x="1584569" y="0"/>
+                </a:moveTo>
+                <a:cubicBezTo>
+                  <a:pt x="852853" y="600808"/>
+                  <a:pt x="121138" y="1201616"/>
+                  <a:pt x="60569" y="1324708"/>
+                </a:cubicBezTo>
+                <a:cubicBezTo>
+                  <a:pt x="0" y="1447800"/>
+                  <a:pt x="1035538" y="599831"/>
+                  <a:pt x="1221153" y="738554"/>
+                </a:cubicBezTo>
+                <a:cubicBezTo>
+                  <a:pt x="1406768" y="877277"/>
+                  <a:pt x="648676" y="1826846"/>
+                  <a:pt x="1174261" y="2157046"/>
+                </a:cubicBezTo>
+                <a:cubicBezTo>
+                  <a:pt x="1699846" y="2487246"/>
+                  <a:pt x="3849076" y="2524369"/>
+                  <a:pt x="4374661" y="2719754"/>
+                </a:cubicBezTo>
+                <a:cubicBezTo>
+                  <a:pt x="4900246" y="2915139"/>
+                  <a:pt x="4829907" y="2795954"/>
+                  <a:pt x="4327769" y="3329354"/>
+                </a:cubicBezTo>
+              </a:path>
+            </a:pathLst>
+          </a:custGeom>
+          <a:noFill/>
+          <a:ln w="19050">
+            <a:solidFill>
+              <a:srgbClr val="FF0000"/>
+            </a:solidFill>
+          </a:ln>
+        </p:spPr>
+        <p:style>
+          <a:lnRef idx="1">
+            <a:schemeClr val="accent1"/>
+          </a:lnRef>
+          <a:fillRef idx="0">
+            <a:schemeClr val="accent1"/>
+          </a:fillRef>
+          <a:effectRef idx="0">
+            <a:schemeClr val="accent1"/>
+          </a:effectRef>
+          <a:fontRef idx="minor">
+            <a:schemeClr val="tx1"/>
+          </a:fontRef>
+        </p:style>
+        <p:txBody>
+          <a:bodyPr rtlCol="0" anchor="ctr"/>
+          <a:lstStyle/>
+          <a:p>
+            <a:pPr algn="ctr"/>
+            <a:endParaRPr lang="fr-FR"/>
+          </a:p>
+        </p:txBody>
+      </p:sp>
+      <p:sp>
+        <p:nvSpPr>
+          <p:cNvPr id="17" name="Rounded Rectangle 16"/>
+          <p:cNvSpPr/>
+          <p:nvPr/>
+        </p:nvSpPr>
+        <p:spPr>
+          <a:xfrm>
+            <a:off x="3286116" y="3214686"/>
+            <a:ext cx="2286016" cy="2428892"/>
+          </a:xfrm>
+          <a:prstGeom prst="roundRect">
+            <a:avLst/>
+          </a:prstGeom>
+          <a:solidFill>
+            <a:srgbClr val="0D19FF"/>
+          </a:solidFill>
+          <a:ln>
+            <a:noFill/>
+          </a:ln>
+        </p:spPr>
+        <p:style>
+          <a:lnRef idx="2">
+            <a:schemeClr val="accent1">
+              <a:shade val="50000"/>
+            </a:schemeClr>
+          </a:lnRef>
+          <a:fillRef idx="1">
+            <a:schemeClr val="accent1"/>
+          </a:fillRef>
+          <a:effectRef idx="0">
+            <a:schemeClr val="accent1"/>
+          </a:effectRef>
+          <a:fontRef idx="minor">
+            <a:schemeClr val="lt1"/>
+          </a:fontRef>
+        </p:style>
+        <p:txBody>
+          <a:bodyPr rtlCol="0" anchor="ctr"/>
+          <a:lstStyle/>
+          <a:p>
+            <a:pPr algn="ctr"/>
+            <a:endParaRPr lang="fr-FR"/>
+          </a:p>
+        </p:txBody>
+      </p:sp>
+      <p:sp>
+        <p:nvSpPr>
+          <p:cNvPr id="20" name="Chevron 19"/>
+          <p:cNvSpPr/>
+          <p:nvPr/>
+        </p:nvSpPr>
+        <p:spPr>
+          <a:xfrm rot="13597367">
+            <a:off x="3781580" y="3653638"/>
+            <a:ext cx="857256" cy="1143008"/>
+          </a:xfrm>
+          <a:prstGeom prst="chevron">
+            <a:avLst/>
+          </a:prstGeom>
+          <a:solidFill>
+            <a:srgbClr val="00A4EE"/>
+          </a:solidFill>
+          <a:ln cap="rnd">
+            <a:noFill/>
+          </a:ln>
+        </p:spPr>
+        <p:style>
+          <a:lnRef idx="2">
+            <a:schemeClr val="accent1">
+              <a:shade val="50000"/>
+            </a:schemeClr>
+          </a:lnRef>
+          <a:fillRef idx="1">
+            <a:schemeClr val="accent1"/>
+          </a:fillRef>
+          <a:effectRef idx="0">
+            <a:schemeClr val="accent1"/>
+          </a:effectRef>
+          <a:fontRef idx="minor">
+            <a:schemeClr val="lt1"/>
+          </a:fontRef>
+        </p:style>
+        <p:txBody>
+          <a:bodyPr rtlCol="0" anchor="ctr"/>
+          <a:lstStyle/>
+          <a:p>
+            <a:pPr algn="ctr"/>
+            <a:endParaRPr lang="fr-FR">
+              <a:solidFill>
+                <a:schemeClr val="tx1"/>
+              </a:solidFill>
+            </a:endParaRPr>
+          </a:p>
+        </p:txBody>
+      </p:sp>
+      <p:sp>
+        <p:nvSpPr>
+          <p:cNvPr id="21" name="Chevron 20"/>
+          <p:cNvSpPr/>
+          <p:nvPr/>
+        </p:nvSpPr>
+        <p:spPr>
+          <a:xfrm rot="13597367">
+            <a:off x="3933980" y="3745724"/>
+            <a:ext cx="857256" cy="1143008"/>
+          </a:xfrm>
+          <a:prstGeom prst="chevron">
+            <a:avLst/>
+          </a:prstGeom>
+          <a:solidFill>
+            <a:srgbClr val="FFC000"/>
+          </a:solidFill>
+          <a:ln cap="rnd">
+            <a:noFill/>
+          </a:ln>
+        </p:spPr>
+        <p:style>
+          <a:lnRef idx="2">
+            <a:schemeClr val="accent1">
+              <a:shade val="50000"/>
+            </a:schemeClr>
+          </a:lnRef>
+          <a:fillRef idx="1">
+            <a:schemeClr val="accent1"/>
+          </a:fillRef>
+          <a:effectRef idx="0">
+            <a:schemeClr val="accent1"/>
+          </a:effectRef>
+          <a:fontRef idx="minor">
+            <a:schemeClr val="lt1"/>
+          </a:fontRef>
+        </p:style>
+        <p:txBody>
+          <a:bodyPr rtlCol="0" anchor="ctr"/>
+          <a:lstStyle/>
+          <a:p>
+            <a:pPr algn="ctr"/>
+            <a:endParaRPr lang="fr-FR">
+              <a:solidFill>
+                <a:schemeClr val="tx1"/>
+              </a:solidFill>
+            </a:endParaRPr>
+          </a:p>
+        </p:txBody>
+      </p:sp>
+      <p:sp>
+        <p:nvSpPr>
+          <p:cNvPr id="22" name="Chevron 21"/>
+          <p:cNvSpPr/>
+          <p:nvPr/>
+        </p:nvSpPr>
+        <p:spPr>
+          <a:xfrm rot="13597367">
+            <a:off x="4086380" y="3796514"/>
+            <a:ext cx="857256" cy="1143008"/>
+          </a:xfrm>
+          <a:prstGeom prst="chevron">
+            <a:avLst/>
+          </a:prstGeom>
+          <a:solidFill>
+            <a:srgbClr val="FF0000"/>
+          </a:solidFill>
+          <a:ln cap="rnd">
+            <a:noFill/>
+          </a:ln>
+        </p:spPr>
+        <p:style>
+          <a:lnRef idx="2">
+            <a:schemeClr val="accent1">
+              <a:shade val="50000"/>
+            </a:schemeClr>
+          </a:lnRef>
+          <a:fillRef idx="1">
+            <a:schemeClr val="accent1"/>
+          </a:fillRef>
+          <a:effectRef idx="0">
+            <a:schemeClr val="accent1"/>
+          </a:effectRef>
+          <a:fontRef idx="minor">
+            <a:schemeClr val="lt1"/>
+          </a:fontRef>
+        </p:style>
+        <p:txBody>
+          <a:bodyPr rtlCol="0" anchor="ctr"/>
+          <a:lstStyle/>
+          <a:p>
+            <a:pPr algn="ctr"/>
+            <a:endParaRPr lang="fr-FR">
+              <a:solidFill>
+                <a:schemeClr val="tx1"/>
+              </a:solidFill>
+            </a:endParaRPr>
+          </a:p>
+        </p:txBody>
+      </p:sp>
+      <p:sp>
+        <p:nvSpPr>
+          <p:cNvPr id="24" name="Rounded Rectangle 23"/>
+          <p:cNvSpPr/>
+          <p:nvPr/>
+        </p:nvSpPr>
+        <p:spPr>
+          <a:xfrm>
+            <a:off x="6000760" y="3214686"/>
+            <a:ext cx="2286016" cy="2428892"/>
+          </a:xfrm>
+          <a:prstGeom prst="roundRect">
+            <a:avLst/>
+          </a:prstGeom>
+          <a:solidFill>
+            <a:srgbClr val="0D19FF"/>
+          </a:solidFill>
+          <a:ln>
+            <a:noFill/>
+          </a:ln>
+        </p:spPr>
+        <p:style>
+          <a:lnRef idx="2">
+            <a:schemeClr val="accent1">
+              <a:shade val="50000"/>
+            </a:schemeClr>
+          </a:lnRef>
+          <a:fillRef idx="1">
+            <a:schemeClr val="accent1"/>
+          </a:fillRef>
+          <a:effectRef idx="0">
+            <a:schemeClr val="accent1"/>
+          </a:effectRef>
+          <a:fontRef idx="minor">
+            <a:schemeClr val="lt1"/>
+          </a:fontRef>
+        </p:style>
+        <p:txBody>
+          <a:bodyPr rtlCol="0" anchor="ctr"/>
+          <a:lstStyle/>
+          <a:p>
+            <a:pPr algn="ctr"/>
+            <a:endParaRPr lang="fr-FR"/>
+          </a:p>
+        </p:txBody>
+      </p:sp>
+      <p:cxnSp>
+        <p:nvCxnSpPr>
+          <p:cNvPr id="29" name="Straight Connector 28"/>
+          <p:cNvCxnSpPr/>
+          <p:nvPr/>
+        </p:nvCxnSpPr>
+        <p:spPr>
+          <a:xfrm rot="5400000" flipH="1" flipV="1">
+            <a:off x="6107917" y="4179099"/>
+            <a:ext cx="1285884" cy="357190"/>
+          </a:xfrm>
+          <a:prstGeom prst="line">
+            <a:avLst/>
+          </a:prstGeom>
+          <a:ln w="76200">
+            <a:solidFill>
+              <a:srgbClr val="FF0000"/>
+            </a:solidFill>
+          </a:ln>
+        </p:spPr>
+        <p:style>
+          <a:lnRef idx="1">
+            <a:schemeClr val="accent1"/>
+          </a:lnRef>
+          <a:fillRef idx="0">
+            <a:schemeClr val="accent1"/>
+          </a:fillRef>
+          <a:effectRef idx="0">
+            <a:schemeClr val="accent1"/>
+          </a:effectRef>
+          <a:fontRef idx="minor">
+            <a:schemeClr val="tx1"/>
+          </a:fontRef>
+        </p:style>
+      </p:cxnSp>
+      <p:cxnSp>
+        <p:nvCxnSpPr>
+          <p:cNvPr id="30" name="Straight Connector 29"/>
+          <p:cNvCxnSpPr/>
+          <p:nvPr/>
+        </p:nvCxnSpPr>
+        <p:spPr>
+          <a:xfrm flipV="1">
+            <a:off x="6500826" y="4357694"/>
+            <a:ext cx="857256" cy="9524"/>
+          </a:xfrm>
+          <a:prstGeom prst="line">
+            <a:avLst/>
+          </a:prstGeom>
+          <a:ln w="57150">
+            <a:solidFill>
+              <a:srgbClr val="00A4EE"/>
+            </a:solidFill>
+          </a:ln>
+        </p:spPr>
+        <p:style>
+          <a:lnRef idx="1">
+            <a:schemeClr val="accent1"/>
+          </a:lnRef>
+          <a:fillRef idx="0">
+            <a:schemeClr val="accent1"/>
+          </a:fillRef>
+          <a:effectRef idx="0">
+            <a:schemeClr val="accent1"/>
+          </a:effectRef>
+          <a:fontRef idx="minor">
+            <a:schemeClr val="tx1"/>
+          </a:fontRef>
+        </p:style>
+      </p:cxnSp>
+      <p:cxnSp>
+        <p:nvCxnSpPr>
+          <p:cNvPr id="33" name="Straight Connector 32"/>
+          <p:cNvCxnSpPr/>
+          <p:nvPr/>
+        </p:nvCxnSpPr>
+        <p:spPr>
+          <a:xfrm rot="16200000" flipV="1">
+            <a:off x="6822298" y="4393414"/>
+            <a:ext cx="785817" cy="428628"/>
+          </a:xfrm>
+          <a:prstGeom prst="line">
+            <a:avLst/>
+          </a:prstGeom>
+          <a:ln w="57150">
+            <a:solidFill>
+              <a:srgbClr val="FFC000"/>
+            </a:solidFill>
+          </a:ln>
+        </p:spPr>
+        <p:style>
+          <a:lnRef idx="1">
+            <a:schemeClr val="accent1"/>
+          </a:lnRef>
+          <a:fillRef idx="0">
+            <a:schemeClr val="accent1"/>
+          </a:fillRef>
+          <a:effectRef idx="0">
+            <a:schemeClr val="accent1"/>
+          </a:effectRef>
+          <a:fontRef idx="minor">
+            <a:schemeClr val="tx1"/>
+          </a:fontRef>
+        </p:style>
+      </p:cxnSp>
+      <p:sp>
+        <p:nvSpPr>
+          <p:cNvPr id="37" name="Chevron 36"/>
+          <p:cNvSpPr/>
+          <p:nvPr/>
+        </p:nvSpPr>
+        <p:spPr>
+          <a:xfrm rot="13597367">
+            <a:off x="-2076336" y="3806038"/>
+            <a:ext cx="857256" cy="1143008"/>
+          </a:xfrm>
+          <a:prstGeom prst="chevron">
+            <a:avLst/>
+          </a:prstGeom>
+          <a:solidFill>
+            <a:srgbClr val="00A4EE"/>
+          </a:solidFill>
+          <a:ln cap="rnd">
+            <a:noFill/>
+          </a:ln>
+        </p:spPr>
+        <p:style>
+          <a:lnRef idx="2">
+            <a:schemeClr val="accent1">
+              <a:shade val="50000"/>
+            </a:schemeClr>
+          </a:lnRef>
+          <a:fillRef idx="1">
+            <a:schemeClr val="accent1"/>
+          </a:fillRef>
+          <a:effectRef idx="0">
+            <a:schemeClr val="accent1"/>
+          </a:effectRef>
+          <a:fontRef idx="minor">
+            <a:schemeClr val="lt1"/>
+          </a:fontRef>
+        </p:style>
+        <p:txBody>
+          <a:bodyPr rtlCol="0" anchor="ctr"/>
+          <a:lstStyle/>
+          <a:p>
+            <a:pPr algn="ctr"/>
+            <a:endParaRPr lang="fr-FR">
+              <a:solidFill>
+                <a:schemeClr val="tx1"/>
+              </a:solidFill>
+            </a:endParaRPr>
+          </a:p>
+        </p:txBody>
+      </p:sp>
+      <p:sp>
+        <p:nvSpPr>
+          <p:cNvPr id="38" name="Chevron 37"/>
+          <p:cNvSpPr/>
+          <p:nvPr/>
+        </p:nvSpPr>
+        <p:spPr>
+          <a:xfrm rot="13597367">
+            <a:off x="-1923936" y="3898124"/>
+            <a:ext cx="857256" cy="1143008"/>
+          </a:xfrm>
+          <a:prstGeom prst="chevron">
+            <a:avLst/>
+          </a:prstGeom>
+          <a:solidFill>
+            <a:srgbClr val="FFC000"/>
+          </a:solidFill>
+          <a:ln cap="rnd">
+            <a:noFill/>
+          </a:ln>
+        </p:spPr>
+        <p:style>
+          <a:lnRef idx="2">
+            <a:schemeClr val="accent1">
+              <a:shade val="50000"/>
+            </a:schemeClr>
+          </a:lnRef>
+          <a:fillRef idx="1">
+            <a:schemeClr val="accent1"/>
+          </a:fillRef>
+          <a:effectRef idx="0">
+            <a:schemeClr val="accent1"/>
+          </a:effectRef>
+          <a:fontRef idx="minor">
+            <a:schemeClr val="lt1"/>
+          </a:fontRef>
+        </p:style>
+        <p:txBody>
+          <a:bodyPr rtlCol="0" anchor="ctr"/>
+          <a:lstStyle/>
+          <a:p>
+            <a:pPr algn="ctr"/>
+            <a:endParaRPr lang="fr-FR">
+              <a:solidFill>
+                <a:schemeClr val="tx1"/>
+              </a:solidFill>
+            </a:endParaRPr>
+          </a:p>
+        </p:txBody>
+      </p:sp>
+      <p:sp>
+        <p:nvSpPr>
+          <p:cNvPr id="39" name="Chevron 38"/>
+          <p:cNvSpPr/>
+          <p:nvPr/>
+        </p:nvSpPr>
+        <p:spPr>
+          <a:xfrm rot="13597367">
+            <a:off x="-1771536" y="3948914"/>
+            <a:ext cx="857256" cy="1143008"/>
+          </a:xfrm>
+          <a:prstGeom prst="chevron">
+            <a:avLst/>
+          </a:prstGeom>
+          <a:solidFill>
+            <a:srgbClr val="FF0000"/>
+          </a:solidFill>
+          <a:ln cap="rnd">
+            <a:noFill/>
+          </a:ln>
+        </p:spPr>
+        <p:style>
+          <a:lnRef idx="2">
+            <a:schemeClr val="accent1">
+              <a:shade val="50000"/>
+            </a:schemeClr>
+          </a:lnRef>
+          <a:fillRef idx="1">
+            <a:schemeClr val="accent1"/>
+          </a:fillRef>
+          <a:effectRef idx="0">
+            <a:schemeClr val="accent1"/>
+          </a:effectRef>
+          <a:fontRef idx="minor">
+            <a:schemeClr val="lt1"/>
+          </a:fontRef>
+        </p:style>
+        <p:txBody>
+          <a:bodyPr rtlCol="0" anchor="ctr"/>
+          <a:lstStyle/>
+          <a:p>
+            <a:pPr algn="ctr"/>
+            <a:endParaRPr lang="fr-FR">
+              <a:solidFill>
+                <a:schemeClr val="tx1"/>
+              </a:solidFill>
+            </a:endParaRPr>
           </a:p>
         </p:txBody>
       </p:sp>
@@ -4840,6 +5863,207 @@
           <a:bodyPr/>
           <a:lstStyle/>
           <a:p>
+            <a:r>
+              <a:rPr lang="fr-FR" dirty="0" err="1" smtClean="0"/>
+              <a:t>Reward</a:t>
+            </a:r>
+            <a:r>
+              <a:rPr lang="fr-FR" dirty="0" smtClean="0"/>
+              <a:t> </a:t>
+            </a:r>
+            <a:r>
+              <a:rPr lang="fr-FR" dirty="0" err="1" smtClean="0"/>
+              <a:t>consumers</a:t>
+            </a:r>
+            <a:endParaRPr lang="fr-FR" dirty="0"/>
+          </a:p>
+        </p:txBody>
+      </p:sp>
+      <p:sp>
+        <p:nvSpPr>
+          <p:cNvPr id="3" name="Content Placeholder 2"/>
+          <p:cNvSpPr>
+            <a:spLocks noGrp="1"/>
+          </p:cNvSpPr>
+          <p:nvPr>
+            <p:ph idx="1"/>
+          </p:nvPr>
+        </p:nvSpPr>
+        <p:spPr/>
+        <p:txBody>
+          <a:bodyPr/>
+          <a:lstStyle/>
+          <a:p>
+            <a:r>
+              <a:rPr lang="fr-FR" dirty="0" smtClean="0"/>
+              <a:t>Badges (</a:t>
+            </a:r>
+            <a:r>
+              <a:rPr lang="fr-FR" dirty="0" err="1" smtClean="0"/>
+              <a:t>really</a:t>
+            </a:r>
+            <a:r>
+              <a:rPr lang="fr-FR" dirty="0" smtClean="0"/>
+              <a:t> cool </a:t>
+            </a:r>
+            <a:r>
+              <a:rPr lang="fr-FR" dirty="0" err="1" smtClean="0"/>
+              <a:t>ones</a:t>
+            </a:r>
+            <a:r>
+              <a:rPr lang="fr-FR" dirty="0" smtClean="0"/>
+              <a:t>)</a:t>
+            </a:r>
+          </a:p>
+          <a:p>
+            <a:r>
+              <a:rPr lang="fr-FR" dirty="0" err="1" smtClean="0"/>
+              <a:t>Pedometer</a:t>
+            </a:r>
+            <a:endParaRPr lang="fr-FR" dirty="0" smtClean="0"/>
+          </a:p>
+          <a:p>
+            <a:r>
+              <a:rPr lang="fr-FR" dirty="0" err="1" smtClean="0"/>
+              <a:t>Special</a:t>
+            </a:r>
+            <a:r>
+              <a:rPr lang="fr-FR" dirty="0" smtClean="0"/>
+              <a:t> </a:t>
+            </a:r>
+            <a:r>
+              <a:rPr lang="fr-FR" dirty="0" err="1" smtClean="0"/>
+              <a:t>quests</a:t>
+            </a:r>
+            <a:r>
+              <a:rPr lang="fr-FR" dirty="0" smtClean="0"/>
+              <a:t>: </a:t>
+            </a:r>
+            <a:r>
+              <a:rPr lang="fr-FR" dirty="0" err="1" smtClean="0"/>
+              <a:t>sightseeing</a:t>
+            </a:r>
+            <a:r>
+              <a:rPr lang="fr-FR" dirty="0" smtClean="0"/>
+              <a:t> , </a:t>
+            </a:r>
+            <a:r>
+              <a:rPr lang="fr-FR" dirty="0" err="1" smtClean="0"/>
+              <a:t>offbrand</a:t>
+            </a:r>
+            <a:r>
+              <a:rPr lang="fr-FR" dirty="0" smtClean="0"/>
+              <a:t> </a:t>
+            </a:r>
+            <a:r>
+              <a:rPr lang="fr-FR" dirty="0" err="1" smtClean="0"/>
+              <a:t>pokemon</a:t>
+            </a:r>
+            <a:r>
+              <a:rPr lang="fr-FR" dirty="0" smtClean="0"/>
+              <a:t> go ( stars?)</a:t>
+            </a:r>
+          </a:p>
+          <a:p>
+            <a:r>
+              <a:rPr lang="fr-FR" dirty="0" smtClean="0"/>
+              <a:t>World leader </a:t>
+            </a:r>
+            <a:r>
+              <a:rPr lang="fr-FR" dirty="0" err="1" smtClean="0"/>
+              <a:t>board</a:t>
+            </a:r>
+            <a:r>
+              <a:rPr lang="fr-FR" dirty="0" smtClean="0"/>
+              <a:t> ( </a:t>
+            </a:r>
+            <a:r>
+              <a:rPr lang="fr-FR" dirty="0" err="1" smtClean="0"/>
+              <a:t>just</a:t>
+            </a:r>
+            <a:r>
+              <a:rPr lang="fr-FR" dirty="0" smtClean="0"/>
+              <a:t> position no </a:t>
+            </a:r>
+            <a:r>
+              <a:rPr lang="fr-FR" dirty="0" err="1" smtClean="0"/>
+              <a:t>names</a:t>
+            </a:r>
+            <a:r>
+              <a:rPr lang="fr-FR" dirty="0" smtClean="0"/>
+              <a:t>) ( </a:t>
+            </a:r>
+            <a:r>
+              <a:rPr lang="fr-FR" dirty="0" err="1" smtClean="0"/>
+              <a:t>just</a:t>
+            </a:r>
+            <a:r>
+              <a:rPr lang="fr-FR" dirty="0" smtClean="0"/>
+              <a:t> </a:t>
+            </a:r>
+            <a:r>
+              <a:rPr lang="fr-FR" dirty="0" err="1" smtClean="0"/>
+              <a:t>names</a:t>
+            </a:r>
+            <a:r>
+              <a:rPr lang="fr-FR" dirty="0" smtClean="0"/>
+              <a:t>???)</a:t>
+            </a:r>
+          </a:p>
+          <a:p>
+            <a:pPr>
+              <a:buNone/>
+            </a:pPr>
+            <a:endParaRPr lang="fr-FR" dirty="0" smtClean="0"/>
+          </a:p>
+          <a:p>
+            <a:pPr>
+              <a:buNone/>
+            </a:pPr>
+            <a:endParaRPr lang="fr-FR" dirty="0"/>
+          </a:p>
+        </p:txBody>
+      </p:sp>
+    </p:spTree>
+  </p:cSld>
+  <p:clrMapOvr>
+    <a:masterClrMapping/>
+  </p:clrMapOvr>
+</p:sld>
+</file>
+
+<file path=ppt/slides/slide4.xml><?xml version="1.0" encoding="utf-8"?>
+<p:sld xmlns:a="http://schemas.openxmlformats.org/drawingml/2006/main" xmlns:r="http://schemas.openxmlformats.org/officeDocument/2006/relationships" xmlns:p="http://schemas.openxmlformats.org/presentationml/2006/main">
+  <p:cSld>
+    <p:spTree>
+      <p:nvGrpSpPr>
+        <p:cNvPr id="1" name=""/>
+        <p:cNvGrpSpPr/>
+        <p:nvPr/>
+      </p:nvGrpSpPr>
+      <p:grpSpPr>
+        <a:xfrm>
+          <a:off x="0" y="0"/>
+          <a:ext cx="0" cy="0"/>
+          <a:chOff x="0" y="0"/>
+          <a:chExt cx="0" cy="0"/>
+        </a:xfrm>
+      </p:grpSpPr>
+      <p:sp>
+        <p:nvSpPr>
+          <p:cNvPr id="2" name="Title 1"/>
+          <p:cNvSpPr>
+            <a:spLocks noGrp="1"/>
+          </p:cNvSpPr>
+          <p:nvPr>
+            <p:ph type="title"/>
+          </p:nvPr>
+        </p:nvSpPr>
+        <p:spPr/>
+        <p:txBody>
+          <a:bodyPr/>
+          <a:lstStyle/>
+          <a:p>
             <a:endParaRPr lang="fr-FR"/>
           </a:p>
         </p:txBody>
@@ -4934,7 +6158,7 @@
 </p:sld>
 </file>
 
-<file path=ppt/slides/slide4.xml><?xml version="1.0" encoding="utf-8"?>
+<file path=ppt/slides/slide5.xml><?xml version="1.0" encoding="utf-8"?>
 <p:sld xmlns:a="http://schemas.openxmlformats.org/drawingml/2006/main" xmlns:r="http://schemas.openxmlformats.org/officeDocument/2006/relationships" xmlns:p="http://schemas.openxmlformats.org/presentationml/2006/main">
   <p:cSld>
     <p:spTree>

--- a/design idea.pptx
+++ b/design idea.pptx
@@ -293,7 +293,7 @@
             <a:fld id="{CADA9F1F-9BC4-4824-A32A-35D05853C2AA}" type="datetimeFigureOut">
               <a:rPr lang="fr-FR" smtClean="0"/>
               <a:pPr/>
-              <a:t>27/06/2021</a:t>
+              <a:t>29/06/2021</a:t>
             </a:fld>
             <a:endParaRPr lang="fr-FR"/>
           </a:p>
@@ -460,7 +460,7 @@
             <a:fld id="{CADA9F1F-9BC4-4824-A32A-35D05853C2AA}" type="datetimeFigureOut">
               <a:rPr lang="fr-FR" smtClean="0"/>
               <a:pPr/>
-              <a:t>27/06/2021</a:t>
+              <a:t>29/06/2021</a:t>
             </a:fld>
             <a:endParaRPr lang="fr-FR"/>
           </a:p>
@@ -637,7 +637,7 @@
             <a:fld id="{CADA9F1F-9BC4-4824-A32A-35D05853C2AA}" type="datetimeFigureOut">
               <a:rPr lang="fr-FR" smtClean="0"/>
               <a:pPr/>
-              <a:t>27/06/2021</a:t>
+              <a:t>29/06/2021</a:t>
             </a:fld>
             <a:endParaRPr lang="fr-FR"/>
           </a:p>
@@ -804,7 +804,7 @@
             <a:fld id="{CADA9F1F-9BC4-4824-A32A-35D05853C2AA}" type="datetimeFigureOut">
               <a:rPr lang="fr-FR" smtClean="0"/>
               <a:pPr/>
-              <a:t>27/06/2021</a:t>
+              <a:t>29/06/2021</a:t>
             </a:fld>
             <a:endParaRPr lang="fr-FR"/>
           </a:p>
@@ -1047,7 +1047,7 @@
             <a:fld id="{CADA9F1F-9BC4-4824-A32A-35D05853C2AA}" type="datetimeFigureOut">
               <a:rPr lang="fr-FR" smtClean="0"/>
               <a:pPr/>
-              <a:t>27/06/2021</a:t>
+              <a:t>29/06/2021</a:t>
             </a:fld>
             <a:endParaRPr lang="fr-FR"/>
           </a:p>
@@ -1332,7 +1332,7 @@
             <a:fld id="{CADA9F1F-9BC4-4824-A32A-35D05853C2AA}" type="datetimeFigureOut">
               <a:rPr lang="fr-FR" smtClean="0"/>
               <a:pPr/>
-              <a:t>27/06/2021</a:t>
+              <a:t>29/06/2021</a:t>
             </a:fld>
             <a:endParaRPr lang="fr-FR"/>
           </a:p>
@@ -1751,7 +1751,7 @@
             <a:fld id="{CADA9F1F-9BC4-4824-A32A-35D05853C2AA}" type="datetimeFigureOut">
               <a:rPr lang="fr-FR" smtClean="0"/>
               <a:pPr/>
-              <a:t>27/06/2021</a:t>
+              <a:t>29/06/2021</a:t>
             </a:fld>
             <a:endParaRPr lang="fr-FR"/>
           </a:p>
@@ -1866,7 +1866,7 @@
             <a:fld id="{CADA9F1F-9BC4-4824-A32A-35D05853C2AA}" type="datetimeFigureOut">
               <a:rPr lang="fr-FR" smtClean="0"/>
               <a:pPr/>
-              <a:t>27/06/2021</a:t>
+              <a:t>29/06/2021</a:t>
             </a:fld>
             <a:endParaRPr lang="fr-FR"/>
           </a:p>
@@ -1958,7 +1958,7 @@
             <a:fld id="{CADA9F1F-9BC4-4824-A32A-35D05853C2AA}" type="datetimeFigureOut">
               <a:rPr lang="fr-FR" smtClean="0"/>
               <a:pPr/>
-              <a:t>27/06/2021</a:t>
+              <a:t>29/06/2021</a:t>
             </a:fld>
             <a:endParaRPr lang="fr-FR"/>
           </a:p>
@@ -2232,7 +2232,7 @@
             <a:fld id="{CADA9F1F-9BC4-4824-A32A-35D05853C2AA}" type="datetimeFigureOut">
               <a:rPr lang="fr-FR" smtClean="0"/>
               <a:pPr/>
-              <a:t>27/06/2021</a:t>
+              <a:t>29/06/2021</a:t>
             </a:fld>
             <a:endParaRPr lang="fr-FR"/>
           </a:p>
@@ -2482,7 +2482,7 @@
             <a:fld id="{CADA9F1F-9BC4-4824-A32A-35D05853C2AA}" type="datetimeFigureOut">
               <a:rPr lang="fr-FR" smtClean="0"/>
               <a:pPr/>
-              <a:t>27/06/2021</a:t>
+              <a:t>29/06/2021</a:t>
             </a:fld>
             <a:endParaRPr lang="fr-FR"/>
           </a:p>
@@ -2692,7 +2692,7 @@
             <a:fld id="{CADA9F1F-9BC4-4824-A32A-35D05853C2AA}" type="datetimeFigureOut">
               <a:rPr lang="fr-FR" smtClean="0"/>
               <a:pPr/>
-              <a:t>27/06/2021</a:t>
+              <a:t>29/06/2021</a:t>
             </a:fld>
             <a:endParaRPr lang="fr-FR"/>
           </a:p>
@@ -5891,7 +5891,9 @@
         </p:nvSpPr>
         <p:spPr/>
         <p:txBody>
-          <a:bodyPr/>
+          <a:bodyPr>
+            <a:normAutofit fontScale="92500" lnSpcReduction="20000"/>
+          </a:bodyPr>
           <a:lstStyle/>
           <a:p>
             <a:r>
@@ -6009,6 +6011,16 @@
               <a:rPr lang="fr-FR" dirty="0" smtClean="0"/>
               <a:t>???)</a:t>
             </a:r>
+          </a:p>
+          <a:p>
+            <a:endParaRPr lang="fr-FR" dirty="0" smtClean="0"/>
+          </a:p>
+          <a:p>
+            <a:r>
+              <a:rPr lang="fr-FR" dirty="0" smtClean="0"/>
+              <a:t>https://medium.com/android-news/a-beginners-guide-to-setting-up-opencv-android-library-on-android-studio-19794e220f3c</a:t>
+            </a:r>
+            <a:endParaRPr lang="fr-FR" dirty="0" smtClean="0"/>
           </a:p>
           <a:p>
             <a:pPr>
